--- a/Final_Project/AzureBatch_FinalProjectSlides_KirkDahl.pptx
+++ b/Final_Project/AzureBatch_FinalProjectSlides_KirkDahl.pptx
@@ -5884,10 +5884,10 @@
               <a:defRPr/>
             </a:pPr>
             <a:r>
-              <a:rPr lang="en-US" smtClean="0"/>
-              <a:t>@Your Name</a:t>
-            </a:r>
-            <a:endParaRPr lang="en-US"/>
+              <a:rPr lang="en-US" dirty="0" smtClean="0"/>
+              <a:t>Kirk Dahl</a:t>
+            </a:r>
+            <a:endParaRPr lang="en-US" dirty="0"/>
           </a:p>
         </p:txBody>
       </p:sp>
@@ -5936,7 +5936,7 @@
         </p:blipFill>
         <p:spPr>
           <a:xfrm>
-            <a:off x="3022600" y="1917700"/>
+            <a:off x="3022600" y="1771718"/>
             <a:ext cx="3098800" cy="3022600"/>
           </a:xfrm>
           <a:prstGeom prst="rect">
@@ -6250,16 +6250,11 @@
               <a:rPr lang="en-US" dirty="0" smtClean="0"/>
               <a:t> </a:t>
             </a:r>
-            <a:endParaRPr lang="en-US" dirty="0" smtClean="0"/>
           </a:p>
           <a:p>
             <a:r>
               <a:rPr lang="en-US" dirty="0" smtClean="0"/>
-              <a:t>15 minutes (long</a:t>
-            </a:r>
-            <a:r>
-              <a:rPr lang="en-US" dirty="0" smtClean="0"/>
-              <a:t>): </a:t>
+              <a:t>15 minutes (long): </a:t>
             </a:r>
             <a:r>
               <a:rPr lang="en-US" u="sng" dirty="0">
@@ -6275,15 +6270,23 @@
               <a:t>GitHub Repository with all artifacts: </a:t>
             </a:r>
             <a:r>
+              <a:rPr lang="en-US" dirty="0">
+                <a:hlinkClick r:id="rId4"/>
+              </a:rPr>
+              <a:t>https://</a:t>
+            </a:r>
+            <a:r>
               <a:rPr lang="en-US" dirty="0" smtClean="0">
                 <a:hlinkClick r:id="rId4"/>
               </a:rPr>
-              <a:t>http://github.com/skertz/AzureTrain/Final_Project</a:t>
+              <a:t>github.com/skertz/AzureTrain/tree/master/Final_Project</a:t>
             </a:r>
             <a:r>
               <a:rPr lang="en-US" dirty="0" smtClean="0"/>
               <a:t> </a:t>
             </a:r>
+          </a:p>
+          <a:p>
             <a:endParaRPr lang="en-US" dirty="0"/>
           </a:p>
           <a:p>
